--- a/open id connect - share cookies.pptx
+++ b/open id connect - share cookies.pptx
@@ -5,11 +5,12 @@
     <p:sldMasterId id="2147483648" r:id="rId1"/>
   </p:sldMasterIdLst>
   <p:notesMasterIdLst>
-    <p:notesMasterId r:id="rId4"/>
+    <p:notesMasterId r:id="rId5"/>
   </p:notesMasterIdLst>
   <p:sldIdLst>
     <p:sldId id="256" r:id="rId2"/>
     <p:sldId id="257" r:id="rId3"/>
+    <p:sldId id="258" r:id="rId4"/>
   </p:sldIdLst>
   <p:sldSz cx="12192000" cy="6858000"/>
   <p:notesSz cx="6858000" cy="9144000"/>
@@ -140,7 +141,7 @@
   </p:defaultTextStyle>
   <p:extLst>
     <p:ext uri="{EFAFB233-063F-42B5-8137-9DF3F51BA10A}">
-      <p15:sldGuideLst xmlns:p15="http://schemas.microsoft.com/office/powerpoint/2012/main" xmlns="">
+      <p15:sldGuideLst xmlns="" xmlns:p15="http://schemas.microsoft.com/office/powerpoint/2012/main">
         <p15:guide id="1" orient="horz" pos="2160" userDrawn="1">
           <p15:clr>
             <a:srgbClr val="A4A3A4"/>
@@ -2750,8 +2751,8 @@
           <a:lstStyle/>
           <a:p>
             <a:r>
-              <a:rPr lang="de-DE"/>
-              <a:t>Beispieltext</a:t>
+              <a:rPr lang="de-DE" dirty="0" smtClean="0"/>
+              <a:t>Cookies</a:t>
             </a:r>
             <a:endParaRPr lang="de-DE" dirty="0"/>
           </a:p>
@@ -2773,67 +2774,268 @@
           <a:lstStyle/>
           <a:p>
             <a:r>
-              <a:rPr lang="de-DE" dirty="0"/>
-              <a:t>Beispieltext</a:t>
-            </a:r>
-          </a:p>
-          <a:p>
-            <a:pPr lvl="1"/>
-            <a:r>
-              <a:rPr lang="de-DE" dirty="0"/>
-              <a:t>Beispieltext</a:t>
-            </a:r>
-          </a:p>
-          <a:p>
-            <a:pPr lvl="1"/>
-            <a:r>
-              <a:rPr lang="de-DE" dirty="0"/>
-              <a:t>Beispieltext</a:t>
-            </a:r>
-          </a:p>
-          <a:p>
-            <a:r>
-              <a:rPr lang="de-DE" dirty="0"/>
-              <a:t>Beispieltext</a:t>
-            </a:r>
-          </a:p>
-          <a:p>
-            <a:pPr lvl="1"/>
-            <a:r>
-              <a:rPr lang="de-DE" dirty="0"/>
-              <a:t>Beispieltext</a:t>
-            </a:r>
-          </a:p>
-          <a:p>
-            <a:pPr lvl="1"/>
-            <a:r>
-              <a:rPr lang="de-DE" dirty="0"/>
-              <a:t>Beispieltext</a:t>
-            </a:r>
-          </a:p>
-          <a:p>
-            <a:r>
-              <a:rPr lang="de-DE" dirty="0"/>
-              <a:t>Beispieltext</a:t>
-            </a:r>
-          </a:p>
-          <a:p>
-            <a:pPr lvl="1"/>
-            <a:r>
-              <a:rPr lang="de-DE" dirty="0"/>
-              <a:t>Beispieltext</a:t>
-            </a:r>
-          </a:p>
-          <a:p>
-            <a:pPr lvl="1"/>
-            <a:r>
-              <a:rPr lang="de-DE" dirty="0"/>
-              <a:t>Beispieltext</a:t>
-            </a:r>
+              <a:rPr lang="de-DE" dirty="0" smtClean="0"/>
+              <a:t>ASP.NET Core</a:t>
+            </a:r>
+          </a:p>
+          <a:p>
+            <a:endParaRPr lang="de-DE" dirty="0"/>
+          </a:p>
+          <a:p>
+            <a:r>
+              <a:rPr lang="de-DE" dirty="0" smtClean="0"/>
+              <a:t>ASP.NET</a:t>
+            </a:r>
+          </a:p>
+          <a:p>
+            <a:endParaRPr lang="de-DE" dirty="0" smtClean="0"/>
+          </a:p>
+          <a:p>
+            <a:r>
+              <a:rPr lang="de-DE" dirty="0" smtClean="0"/>
+              <a:t>Identity Server</a:t>
+            </a:r>
+          </a:p>
+          <a:p>
+            <a:endParaRPr lang="de-DE" dirty="0"/>
+          </a:p>
+        </p:txBody>
+      </p:sp>
+      <p:pic>
+        <p:nvPicPr>
+          <p:cNvPr id="1026" name="Picture 2"/>
+          <p:cNvPicPr>
+            <a:picLocks noChangeAspect="1" noChangeArrowheads="1"/>
+          </p:cNvPicPr>
+          <p:nvPr/>
+        </p:nvPicPr>
+        <p:blipFill>
+          <a:blip r:embed="rId2">
+            <a:extLst>
+              <a:ext uri="{28A0092B-C50C-407E-A947-70E740481C1C}">
+                <a14:useLocalDpi xmlns:a14="http://schemas.microsoft.com/office/drawing/2010/main" val="0"/>
+              </a:ext>
+            </a:extLst>
+          </a:blip>
+          <a:srcRect/>
+          <a:stretch>
+            <a:fillRect/>
+          </a:stretch>
+        </p:blipFill>
+        <p:spPr bwMode="auto">
+          <a:xfrm>
+            <a:off x="1266825" y="1700808"/>
+            <a:ext cx="9658350" cy="923925"/>
+          </a:xfrm>
+          <a:prstGeom prst="rect">
+            <a:avLst/>
+          </a:prstGeom>
+          <a:noFill/>
+          <a:ln>
+            <a:noFill/>
+          </a:ln>
+          <a:extLst>
+            <a:ext uri="{909E8E84-426E-40DD-AFC4-6F175D3DCCD1}">
+              <a14:hiddenFill xmlns:a14="http://schemas.microsoft.com/office/drawing/2010/main">
+                <a:solidFill>
+                  <a:schemeClr val="accent1"/>
+                </a:solidFill>
+              </a14:hiddenFill>
+            </a:ext>
+            <a:ext uri="{91240B29-F687-4F45-9708-019B960494DF}">
+              <a14:hiddenLine xmlns:a14="http://schemas.microsoft.com/office/drawing/2010/main" w="9525">
+                <a:solidFill>
+                  <a:schemeClr val="tx1"/>
+                </a:solidFill>
+                <a:miter lim="800000"/>
+                <a:headEnd/>
+                <a:tailEnd/>
+              </a14:hiddenLine>
+            </a:ext>
+          </a:extLst>
+        </p:spPr>
+      </p:pic>
+      <p:pic>
+        <p:nvPicPr>
+          <p:cNvPr id="1027" name="Picture 3"/>
+          <p:cNvPicPr>
+            <a:picLocks noChangeAspect="1" noChangeArrowheads="1"/>
+          </p:cNvPicPr>
+          <p:nvPr/>
+        </p:nvPicPr>
+        <p:blipFill>
+          <a:blip r:embed="rId3">
+            <a:extLst>
+              <a:ext uri="{28A0092B-C50C-407E-A947-70E740481C1C}">
+                <a14:useLocalDpi xmlns:a14="http://schemas.microsoft.com/office/drawing/2010/main" val="0"/>
+              </a:ext>
+            </a:extLst>
+          </a:blip>
+          <a:srcRect/>
+          <a:stretch>
+            <a:fillRect/>
+          </a:stretch>
+        </p:blipFill>
+        <p:spPr bwMode="auto">
+          <a:xfrm>
+            <a:off x="1271464" y="3501008"/>
+            <a:ext cx="9839325" cy="504825"/>
+          </a:xfrm>
+          <a:prstGeom prst="rect">
+            <a:avLst/>
+          </a:prstGeom>
+          <a:noFill/>
+          <a:ln>
+            <a:noFill/>
+          </a:ln>
+          <a:extLst>
+            <a:ext uri="{909E8E84-426E-40DD-AFC4-6F175D3DCCD1}">
+              <a14:hiddenFill xmlns:a14="http://schemas.microsoft.com/office/drawing/2010/main">
+                <a:solidFill>
+                  <a:schemeClr val="accent1"/>
+                </a:solidFill>
+              </a14:hiddenFill>
+            </a:ext>
+            <a:ext uri="{91240B29-F687-4F45-9708-019B960494DF}">
+              <a14:hiddenLine xmlns:a14="http://schemas.microsoft.com/office/drawing/2010/main" w="9525">
+                <a:solidFill>
+                  <a:schemeClr val="tx1"/>
+                </a:solidFill>
+                <a:miter lim="800000"/>
+                <a:headEnd/>
+                <a:tailEnd/>
+              </a14:hiddenLine>
+            </a:ext>
+          </a:extLst>
+        </p:spPr>
+      </p:pic>
+      <p:pic>
+        <p:nvPicPr>
+          <p:cNvPr id="1028" name="Picture 4"/>
+          <p:cNvPicPr>
+            <a:picLocks noChangeAspect="1" noChangeArrowheads="1"/>
+          </p:cNvPicPr>
+          <p:nvPr/>
+        </p:nvPicPr>
+        <p:blipFill>
+          <a:blip r:embed="rId4">
+            <a:extLst>
+              <a:ext uri="{28A0092B-C50C-407E-A947-70E740481C1C}">
+                <a14:useLocalDpi xmlns:a14="http://schemas.microsoft.com/office/drawing/2010/main" val="0"/>
+              </a:ext>
+            </a:extLst>
+          </a:blip>
+          <a:srcRect/>
+          <a:stretch>
+            <a:fillRect/>
+          </a:stretch>
+        </p:blipFill>
+        <p:spPr bwMode="auto">
+          <a:xfrm>
+            <a:off x="1270592" y="5157192"/>
+            <a:ext cx="9572625" cy="1019175"/>
+          </a:xfrm>
+          <a:prstGeom prst="rect">
+            <a:avLst/>
+          </a:prstGeom>
+          <a:noFill/>
+          <a:ln>
+            <a:noFill/>
+          </a:ln>
+          <a:extLst>
+            <a:ext uri="{909E8E84-426E-40DD-AFC4-6F175D3DCCD1}">
+              <a14:hiddenFill xmlns:a14="http://schemas.microsoft.com/office/drawing/2010/main">
+                <a:solidFill>
+                  <a:schemeClr val="accent1"/>
+                </a:solidFill>
+              </a14:hiddenFill>
+            </a:ext>
+            <a:ext uri="{91240B29-F687-4F45-9708-019B960494DF}">
+              <a14:hiddenLine xmlns:a14="http://schemas.microsoft.com/office/drawing/2010/main" w="9525">
+                <a:solidFill>
+                  <a:schemeClr val="tx1"/>
+                </a:solidFill>
+                <a:miter lim="800000"/>
+                <a:headEnd/>
+                <a:tailEnd/>
+              </a14:hiddenLine>
+            </a:ext>
+          </a:extLst>
+        </p:spPr>
+      </p:pic>
+    </p:spTree>
+  </p:cSld>
+  <p:clrMapOvr>
+    <a:masterClrMapping/>
+  </p:clrMapOvr>
+</p:sld>
+</file>
+
+<file path=ppt/slides/slide3.xml><?xml version="1.0" encoding="utf-8"?>
+<p:sld xmlns:a="http://schemas.openxmlformats.org/drawingml/2006/main" xmlns:r="http://schemas.openxmlformats.org/officeDocument/2006/relationships" xmlns:p="http://schemas.openxmlformats.org/presentationml/2006/main">
+  <p:cSld>
+    <p:spTree>
+      <p:nvGrpSpPr>
+        <p:cNvPr id="1" name=""/>
+        <p:cNvGrpSpPr/>
+        <p:nvPr/>
+      </p:nvGrpSpPr>
+      <p:grpSpPr>
+        <a:xfrm>
+          <a:off x="0" y="0"/>
+          <a:ext cx="0" cy="0"/>
+          <a:chOff x="0" y="0"/>
+          <a:chExt cx="0" cy="0"/>
+        </a:xfrm>
+      </p:grpSpPr>
+      <p:sp>
+        <p:nvSpPr>
+          <p:cNvPr id="2" name="Titel 1"/>
+          <p:cNvSpPr>
+            <a:spLocks noGrp="1"/>
+          </p:cNvSpPr>
+          <p:nvPr>
+            <p:ph type="title"/>
+          </p:nvPr>
+        </p:nvSpPr>
+        <p:spPr/>
+        <p:txBody>
+          <a:bodyPr/>
+          <a:lstStyle/>
+          <a:p>
+            <a:r>
+              <a:rPr lang="de-DE" dirty="0" smtClean="0"/>
+              <a:t>Unterschiedliche Formate der Cookies</a:t>
+            </a:r>
+            <a:endParaRPr lang="de-DE" dirty="0"/>
+          </a:p>
+        </p:txBody>
+      </p:sp>
+      <p:sp>
+        <p:nvSpPr>
+          <p:cNvPr id="3" name="Inhaltsplatzhalter 2"/>
+          <p:cNvSpPr>
+            <a:spLocks noGrp="1"/>
+          </p:cNvSpPr>
+          <p:nvPr>
+            <p:ph idx="1"/>
+          </p:nvPr>
+        </p:nvSpPr>
+        <p:spPr/>
+        <p:txBody>
+          <a:bodyPr/>
+          <a:lstStyle/>
+          <a:p>
+            <a:endParaRPr lang="de-DE"/>
           </a:p>
         </p:txBody>
       </p:sp>
     </p:spTree>
+    <p:extLst>
+      <p:ext uri="{BB962C8B-B14F-4D97-AF65-F5344CB8AC3E}">
+        <p14:creationId xmlns:p14="http://schemas.microsoft.com/office/powerpoint/2010/main" val="2969951702"/>
+      </p:ext>
+    </p:extLst>
   </p:cSld>
   <p:clrMapOvr>
     <a:masterClrMapping/>
@@ -3065,7 +3267,7 @@
   <a:extraClrSchemeLst/>
   <a:extLst>
     <a:ext uri="{05A4C25C-085E-4340-85A3-A5531E510DB2}">
-      <thm15:themeFamily xmlns:thm15="http://schemas.microsoft.com/office/thememl/2012/main" xmlns="" name="Presentation1" id="{ACB66927-DC72-4B77-9EEE-0493DF6A2016}" vid="{B5BAAF34-A7A6-4863-B92B-F29C519B01CB}"/>
+      <thm15:themeFamily xmlns="" xmlns:thm15="http://schemas.microsoft.com/office/thememl/2012/main" name="Presentation1" id="{ACB66927-DC72-4B77-9EEE-0493DF6A2016}" vid="{B5BAAF34-A7A6-4863-B92B-F29C519B01CB}"/>
     </a:ext>
   </a:extLst>
 </a:theme>

--- a/open id connect - share cookies.pptx
+++ b/open id connect - share cookies.pptx
@@ -5,12 +5,16 @@
     <p:sldMasterId id="2147483648" r:id="rId1"/>
   </p:sldMasterIdLst>
   <p:notesMasterIdLst>
-    <p:notesMasterId r:id="rId5"/>
+    <p:notesMasterId r:id="rId9"/>
   </p:notesMasterIdLst>
   <p:sldIdLst>
     <p:sldId id="256" r:id="rId2"/>
     <p:sldId id="257" r:id="rId3"/>
     <p:sldId id="258" r:id="rId4"/>
+    <p:sldId id="259" r:id="rId5"/>
+    <p:sldId id="260" r:id="rId6"/>
+    <p:sldId id="261" r:id="rId7"/>
+    <p:sldId id="262" r:id="rId8"/>
   </p:sldIdLst>
   <p:sldSz cx="12192000" cy="6858000"/>
   <p:notesSz cx="6858000" cy="9144000"/>
@@ -140,8 +144,27 @@
     </a:lvl9pPr>
   </p:defaultTextStyle>
   <p:extLst>
+    <p:ext uri="{521415D9-36F7-43E2-AB2F-B90AF26B5E84}">
+      <p14:sectionLst xmlns:p14="http://schemas.microsoft.com/office/powerpoint/2010/main">
+        <p14:section name="Standardabschnitt" id="{45C61198-6C5B-40C6-AD89-A3E6F4A83F7D}">
+          <p14:sldIdLst>
+            <p14:sldId id="256"/>
+            <p14:sldId id="257"/>
+            <p14:sldId id="258"/>
+          </p14:sldIdLst>
+        </p14:section>
+        <p14:section name="Flow" id="{73DE0763-EE10-47ED-9F69-03BC5DB59DFB}">
+          <p14:sldIdLst>
+            <p14:sldId id="259"/>
+            <p14:sldId id="260"/>
+            <p14:sldId id="261"/>
+            <p14:sldId id="262"/>
+          </p14:sldIdLst>
+        </p14:section>
+      </p14:sectionLst>
+    </p:ext>
     <p:ext uri="{EFAFB233-063F-42B5-8137-9DF3F51BA10A}">
-      <p15:sldGuideLst xmlns="" xmlns:p15="http://schemas.microsoft.com/office/powerpoint/2012/main">
+      <p15:sldGuideLst xmlns:p15="http://schemas.microsoft.com/office/powerpoint/2012/main" xmlns="">
         <p15:guide id="1" orient="horz" pos="2160" userDrawn="1">
           <p15:clr>
             <a:srgbClr val="A4A3A4"/>
@@ -267,7 +290,7 @@
               <a:pPr>
                 <a:defRPr/>
               </a:pPr>
-              <a:t>26.04.2017</a:t>
+              <a:t>29.04.2017</a:t>
             </a:fld>
             <a:endParaRPr lang="de-DE"/>
           </a:p>
@@ -3043,6 +3066,428 @@
 </p:sld>
 </file>
 
+<file path=ppt/slides/slide4.xml><?xml version="1.0" encoding="utf-8"?>
+<p:sld xmlns:a="http://schemas.openxmlformats.org/drawingml/2006/main" xmlns:r="http://schemas.openxmlformats.org/officeDocument/2006/relationships" xmlns:p="http://schemas.openxmlformats.org/presentationml/2006/main">
+  <p:cSld>
+    <p:spTree>
+      <p:nvGrpSpPr>
+        <p:cNvPr id="1" name=""/>
+        <p:cNvGrpSpPr/>
+        <p:nvPr/>
+      </p:nvGrpSpPr>
+      <p:grpSpPr>
+        <a:xfrm>
+          <a:off x="0" y="0"/>
+          <a:ext cx="0" cy="0"/>
+          <a:chOff x="0" y="0"/>
+          <a:chExt cx="0" cy="0"/>
+        </a:xfrm>
+      </p:grpSpPr>
+      <p:sp>
+        <p:nvSpPr>
+          <p:cNvPr id="2" name="Titel 1"/>
+          <p:cNvSpPr>
+            <a:spLocks noGrp="1"/>
+          </p:cNvSpPr>
+          <p:nvPr>
+            <p:ph type="title"/>
+          </p:nvPr>
+        </p:nvSpPr>
+        <p:spPr/>
+        <p:txBody>
+          <a:bodyPr/>
+          <a:lstStyle/>
+          <a:p>
+            <a:endParaRPr lang="de-DE" dirty="0"/>
+          </a:p>
+        </p:txBody>
+      </p:sp>
+      <p:pic>
+        <p:nvPicPr>
+          <p:cNvPr id="1028" name="Picture 4"/>
+          <p:cNvPicPr>
+            <a:picLocks noGrp="1" noChangeAspect="1" noChangeArrowheads="1"/>
+          </p:cNvPicPr>
+          <p:nvPr>
+            <p:ph idx="1"/>
+          </p:nvPr>
+        </p:nvPicPr>
+        <p:blipFill>
+          <a:blip r:embed="rId2">
+            <a:extLst>
+              <a:ext uri="{28A0092B-C50C-407E-A947-70E740481C1C}">
+                <a14:useLocalDpi xmlns:a14="http://schemas.microsoft.com/office/drawing/2010/main" val="0"/>
+              </a:ext>
+            </a:extLst>
+          </a:blip>
+          <a:srcRect/>
+          <a:stretch>
+            <a:fillRect/>
+          </a:stretch>
+        </p:blipFill>
+        <p:spPr bwMode="auto">
+          <a:xfrm>
+            <a:off x="2085975" y="3891756"/>
+            <a:ext cx="8048625" cy="342900"/>
+          </a:xfrm>
+          <a:prstGeom prst="rect">
+            <a:avLst/>
+          </a:prstGeom>
+          <a:noFill/>
+          <a:ln>
+            <a:noFill/>
+          </a:ln>
+          <a:extLst>
+            <a:ext uri="{909E8E84-426E-40DD-AFC4-6F175D3DCCD1}">
+              <a14:hiddenFill xmlns:a14="http://schemas.microsoft.com/office/drawing/2010/main">
+                <a:solidFill>
+                  <a:schemeClr val="accent1"/>
+                </a:solidFill>
+              </a14:hiddenFill>
+            </a:ext>
+            <a:ext uri="{91240B29-F687-4F45-9708-019B960494DF}">
+              <a14:hiddenLine xmlns:a14="http://schemas.microsoft.com/office/drawing/2010/main" w="9525">
+                <a:solidFill>
+                  <a:schemeClr val="tx1"/>
+                </a:solidFill>
+                <a:miter lim="800000"/>
+                <a:headEnd/>
+                <a:tailEnd/>
+              </a14:hiddenLine>
+            </a:ext>
+          </a:extLst>
+        </p:spPr>
+      </p:pic>
+    </p:spTree>
+    <p:extLst>
+      <p:ext uri="{BB962C8B-B14F-4D97-AF65-F5344CB8AC3E}">
+        <p14:creationId xmlns:p14="http://schemas.microsoft.com/office/powerpoint/2010/main" val="677217807"/>
+      </p:ext>
+    </p:extLst>
+  </p:cSld>
+  <p:clrMapOvr>
+    <a:masterClrMapping/>
+  </p:clrMapOvr>
+</p:sld>
+</file>
+
+<file path=ppt/slides/slide5.xml><?xml version="1.0" encoding="utf-8"?>
+<p:sld xmlns:a="http://schemas.openxmlformats.org/drawingml/2006/main" xmlns:r="http://schemas.openxmlformats.org/officeDocument/2006/relationships" xmlns:p="http://schemas.openxmlformats.org/presentationml/2006/main">
+  <p:cSld>
+    <p:spTree>
+      <p:nvGrpSpPr>
+        <p:cNvPr id="1" name=""/>
+        <p:cNvGrpSpPr/>
+        <p:nvPr/>
+      </p:nvGrpSpPr>
+      <p:grpSpPr>
+        <a:xfrm>
+          <a:off x="0" y="0"/>
+          <a:ext cx="0" cy="0"/>
+          <a:chOff x="0" y="0"/>
+          <a:chExt cx="0" cy="0"/>
+        </a:xfrm>
+      </p:grpSpPr>
+      <p:sp>
+        <p:nvSpPr>
+          <p:cNvPr id="2" name="Titel 1"/>
+          <p:cNvSpPr>
+            <a:spLocks noGrp="1"/>
+          </p:cNvSpPr>
+          <p:nvPr>
+            <p:ph type="title"/>
+          </p:nvPr>
+        </p:nvSpPr>
+        <p:spPr/>
+        <p:txBody>
+          <a:bodyPr/>
+          <a:lstStyle/>
+          <a:p>
+            <a:endParaRPr lang="de-DE"/>
+          </a:p>
+        </p:txBody>
+      </p:sp>
+      <p:pic>
+        <p:nvPicPr>
+          <p:cNvPr id="4098" name="Picture 2"/>
+          <p:cNvPicPr>
+            <a:picLocks noGrp="1" noChangeAspect="1" noChangeArrowheads="1"/>
+          </p:cNvPicPr>
+          <p:nvPr>
+            <p:ph idx="1"/>
+          </p:nvPr>
+        </p:nvPicPr>
+        <p:blipFill>
+          <a:blip r:embed="rId2">
+            <a:extLst>
+              <a:ext uri="{28A0092B-C50C-407E-A947-70E740481C1C}">
+                <a14:useLocalDpi xmlns:a14="http://schemas.microsoft.com/office/drawing/2010/main" val="0"/>
+              </a:ext>
+            </a:extLst>
+          </a:blip>
+          <a:srcRect/>
+          <a:stretch>
+            <a:fillRect/>
+          </a:stretch>
+        </p:blipFill>
+        <p:spPr bwMode="auto">
+          <a:xfrm>
+            <a:off x="2085975" y="1658144"/>
+            <a:ext cx="8048625" cy="4810125"/>
+          </a:xfrm>
+          <a:prstGeom prst="rect">
+            <a:avLst/>
+          </a:prstGeom>
+          <a:noFill/>
+          <a:ln>
+            <a:noFill/>
+          </a:ln>
+          <a:extLst>
+            <a:ext uri="{909E8E84-426E-40DD-AFC4-6F175D3DCCD1}">
+              <a14:hiddenFill xmlns:a14="http://schemas.microsoft.com/office/drawing/2010/main">
+                <a:solidFill>
+                  <a:schemeClr val="accent1"/>
+                </a:solidFill>
+              </a14:hiddenFill>
+            </a:ext>
+            <a:ext uri="{91240B29-F687-4F45-9708-019B960494DF}">
+              <a14:hiddenLine xmlns:a14="http://schemas.microsoft.com/office/drawing/2010/main" w="9525">
+                <a:solidFill>
+                  <a:schemeClr val="tx1"/>
+                </a:solidFill>
+                <a:miter lim="800000"/>
+                <a:headEnd/>
+                <a:tailEnd/>
+              </a14:hiddenLine>
+            </a:ext>
+          </a:extLst>
+        </p:spPr>
+      </p:pic>
+    </p:spTree>
+    <p:extLst>
+      <p:ext uri="{BB962C8B-B14F-4D97-AF65-F5344CB8AC3E}">
+        <p14:creationId xmlns:p14="http://schemas.microsoft.com/office/powerpoint/2010/main" val="2471651552"/>
+      </p:ext>
+    </p:extLst>
+  </p:cSld>
+  <p:clrMapOvr>
+    <a:masterClrMapping/>
+  </p:clrMapOvr>
+</p:sld>
+</file>
+
+<file path=ppt/slides/slide6.xml><?xml version="1.0" encoding="utf-8"?>
+<p:sld xmlns:a="http://schemas.openxmlformats.org/drawingml/2006/main" xmlns:r="http://schemas.openxmlformats.org/officeDocument/2006/relationships" xmlns:p="http://schemas.openxmlformats.org/presentationml/2006/main">
+  <p:cSld>
+    <p:spTree>
+      <p:nvGrpSpPr>
+        <p:cNvPr id="1" name=""/>
+        <p:cNvGrpSpPr/>
+        <p:nvPr/>
+      </p:nvGrpSpPr>
+      <p:grpSpPr>
+        <a:xfrm>
+          <a:off x="0" y="0"/>
+          <a:ext cx="0" cy="0"/>
+          <a:chOff x="0" y="0"/>
+          <a:chExt cx="0" cy="0"/>
+        </a:xfrm>
+      </p:grpSpPr>
+      <p:sp>
+        <p:nvSpPr>
+          <p:cNvPr id="2" name="Titel 1"/>
+          <p:cNvSpPr>
+            <a:spLocks noGrp="1"/>
+          </p:cNvSpPr>
+          <p:nvPr>
+            <p:ph type="title"/>
+          </p:nvPr>
+        </p:nvSpPr>
+        <p:spPr/>
+        <p:txBody>
+          <a:bodyPr/>
+          <a:lstStyle/>
+          <a:p>
+            <a:r>
+              <a:rPr lang="de-DE" dirty="0" smtClean="0"/>
+              <a:t>S</a:t>
+            </a:r>
+            <a:endParaRPr lang="de-DE" dirty="0"/>
+          </a:p>
+        </p:txBody>
+      </p:sp>
+      <p:pic>
+        <p:nvPicPr>
+          <p:cNvPr id="5123" name="Picture 3"/>
+          <p:cNvPicPr>
+            <a:picLocks noGrp="1" noChangeAspect="1" noChangeArrowheads="1"/>
+          </p:cNvPicPr>
+          <p:nvPr>
+            <p:ph idx="1"/>
+          </p:nvPr>
+        </p:nvPicPr>
+        <p:blipFill>
+          <a:blip r:embed="rId2">
+            <a:extLst>
+              <a:ext uri="{28A0092B-C50C-407E-A947-70E740481C1C}">
+                <a14:useLocalDpi xmlns:a14="http://schemas.microsoft.com/office/drawing/2010/main" val="0"/>
+              </a:ext>
+            </a:extLst>
+          </a:blip>
+          <a:srcRect/>
+          <a:stretch>
+            <a:fillRect/>
+          </a:stretch>
+        </p:blipFill>
+        <p:spPr bwMode="auto">
+          <a:xfrm>
+            <a:off x="1633537" y="2277269"/>
+            <a:ext cx="8953500" cy="3571875"/>
+          </a:xfrm>
+          <a:prstGeom prst="rect">
+            <a:avLst/>
+          </a:prstGeom>
+          <a:noFill/>
+          <a:ln>
+            <a:noFill/>
+          </a:ln>
+          <a:extLst>
+            <a:ext uri="{909E8E84-426E-40DD-AFC4-6F175D3DCCD1}">
+              <a14:hiddenFill xmlns:a14="http://schemas.microsoft.com/office/drawing/2010/main">
+                <a:solidFill>
+                  <a:schemeClr val="accent1"/>
+                </a:solidFill>
+              </a14:hiddenFill>
+            </a:ext>
+            <a:ext uri="{91240B29-F687-4F45-9708-019B960494DF}">
+              <a14:hiddenLine xmlns:a14="http://schemas.microsoft.com/office/drawing/2010/main" w="9525">
+                <a:solidFill>
+                  <a:schemeClr val="tx1"/>
+                </a:solidFill>
+                <a:miter lim="800000"/>
+                <a:headEnd/>
+                <a:tailEnd/>
+              </a14:hiddenLine>
+            </a:ext>
+          </a:extLst>
+        </p:spPr>
+      </p:pic>
+    </p:spTree>
+    <p:extLst>
+      <p:ext uri="{BB962C8B-B14F-4D97-AF65-F5344CB8AC3E}">
+        <p14:creationId xmlns:p14="http://schemas.microsoft.com/office/powerpoint/2010/main" val="3789999799"/>
+      </p:ext>
+    </p:extLst>
+  </p:cSld>
+  <p:clrMapOvr>
+    <a:masterClrMapping/>
+  </p:clrMapOvr>
+</p:sld>
+</file>
+
+<file path=ppt/slides/slide7.xml><?xml version="1.0" encoding="utf-8"?>
+<p:sld xmlns:a="http://schemas.openxmlformats.org/drawingml/2006/main" xmlns:r="http://schemas.openxmlformats.org/officeDocument/2006/relationships" xmlns:p="http://schemas.openxmlformats.org/presentationml/2006/main">
+  <p:cSld>
+    <p:spTree>
+      <p:nvGrpSpPr>
+        <p:cNvPr id="1" name=""/>
+        <p:cNvGrpSpPr/>
+        <p:nvPr/>
+      </p:nvGrpSpPr>
+      <p:grpSpPr>
+        <a:xfrm>
+          <a:off x="0" y="0"/>
+          <a:ext cx="0" cy="0"/>
+          <a:chOff x="0" y="0"/>
+          <a:chExt cx="0" cy="0"/>
+        </a:xfrm>
+      </p:grpSpPr>
+      <p:sp>
+        <p:nvSpPr>
+          <p:cNvPr id="2" name="Titel 1"/>
+          <p:cNvSpPr>
+            <a:spLocks noGrp="1"/>
+          </p:cNvSpPr>
+          <p:nvPr>
+            <p:ph type="title"/>
+          </p:nvPr>
+        </p:nvSpPr>
+        <p:spPr/>
+        <p:txBody>
+          <a:bodyPr/>
+          <a:lstStyle/>
+          <a:p>
+            <a:endParaRPr lang="de-DE"/>
+          </a:p>
+        </p:txBody>
+      </p:sp>
+      <p:pic>
+        <p:nvPicPr>
+          <p:cNvPr id="6148" name="Picture 4"/>
+          <p:cNvPicPr>
+            <a:picLocks noChangeAspect="1" noChangeArrowheads="1"/>
+          </p:cNvPicPr>
+          <p:nvPr/>
+        </p:nvPicPr>
+        <p:blipFill>
+          <a:blip r:embed="rId2">
+            <a:extLst>
+              <a:ext uri="{28A0092B-C50C-407E-A947-70E740481C1C}">
+                <a14:useLocalDpi xmlns:a14="http://schemas.microsoft.com/office/drawing/2010/main" val="0"/>
+              </a:ext>
+            </a:extLst>
+          </a:blip>
+          <a:srcRect/>
+          <a:stretch>
+            <a:fillRect/>
+          </a:stretch>
+        </p:blipFill>
+        <p:spPr bwMode="auto">
+          <a:xfrm>
+            <a:off x="1585913" y="1076325"/>
+            <a:ext cx="9020175" cy="4705350"/>
+          </a:xfrm>
+          <a:prstGeom prst="rect">
+            <a:avLst/>
+          </a:prstGeom>
+          <a:noFill/>
+          <a:ln>
+            <a:noFill/>
+          </a:ln>
+          <a:extLst>
+            <a:ext uri="{909E8E84-426E-40DD-AFC4-6F175D3DCCD1}">
+              <a14:hiddenFill xmlns:a14="http://schemas.microsoft.com/office/drawing/2010/main">
+                <a:solidFill>
+                  <a:schemeClr val="accent1"/>
+                </a:solidFill>
+              </a14:hiddenFill>
+            </a:ext>
+            <a:ext uri="{91240B29-F687-4F45-9708-019B960494DF}">
+              <a14:hiddenLine xmlns:a14="http://schemas.microsoft.com/office/drawing/2010/main" w="9525">
+                <a:solidFill>
+                  <a:schemeClr val="tx1"/>
+                </a:solidFill>
+                <a:miter lim="800000"/>
+                <a:headEnd/>
+                <a:tailEnd/>
+              </a14:hiddenLine>
+            </a:ext>
+          </a:extLst>
+        </p:spPr>
+      </p:pic>
+    </p:spTree>
+    <p:extLst>
+      <p:ext uri="{BB962C8B-B14F-4D97-AF65-F5344CB8AC3E}">
+        <p14:creationId xmlns:p14="http://schemas.microsoft.com/office/powerpoint/2010/main" val="428073850"/>
+      </p:ext>
+    </p:extLst>
+  </p:cSld>
+  <p:clrMapOvr>
+    <a:masterClrMapping/>
+  </p:clrMapOvr>
+</p:sld>
+</file>
+
 <file path=ppt/theme/theme1.xml><?xml version="1.0" encoding="utf-8"?>
 <a:theme xmlns:a="http://schemas.openxmlformats.org/drawingml/2006/main" name="dncgn17_Template">
   <a:themeElements>
@@ -3267,7 +3712,7 @@
   <a:extraClrSchemeLst/>
   <a:extLst>
     <a:ext uri="{05A4C25C-085E-4340-85A3-A5531E510DB2}">
-      <thm15:themeFamily xmlns="" xmlns:thm15="http://schemas.microsoft.com/office/thememl/2012/main" name="Presentation1" id="{ACB66927-DC72-4B77-9EEE-0493DF6A2016}" vid="{B5BAAF34-A7A6-4863-B92B-F29C519B01CB}"/>
+      <thm15:themeFamily xmlns:thm15="http://schemas.microsoft.com/office/thememl/2012/main" xmlns="" name="Presentation1" id="{ACB66927-DC72-4B77-9EEE-0493DF6A2016}" vid="{B5BAAF34-A7A6-4863-B92B-F29C519B01CB}"/>
     </a:ext>
   </a:extLst>
 </a:theme>
